--- a/week2classproject.pptx
+++ b/week2classproject.pptx
@@ -17,6 +17,8 @@
     <p:sldId id="265" r:id="rId11"/>
     <p:sldId id="266" r:id="rId12"/>
     <p:sldId id="267" r:id="rId13"/>
+    <p:sldId id="268" r:id="rId14"/>
+    <p:sldId id="269" r:id="rId15"/>
   </p:sldIdLst>
   <p:sldSz cx="12192000" cy="6858000"/>
   <p:notesSz cx="6858000" cy="9144000"/>
@@ -309,7 +311,7 @@
           <a:p>
             <a:fld id="{B4F7D79A-4498-406E-94CB-9F94018EB882}" type="datetimeFigureOut">
               <a:rPr lang="en-NG" smtClean="0"/>
-              <a:t>01/04/2022</a:t>
+              <a:t>03/04/2022</a:t>
             </a:fld>
             <a:endParaRPr lang="en-NG"/>
           </a:p>
@@ -584,7 +586,7 @@
           <a:p>
             <a:fld id="{B4F7D79A-4498-406E-94CB-9F94018EB882}" type="datetimeFigureOut">
               <a:rPr lang="en-NG" smtClean="0"/>
-              <a:t>01/04/2022</a:t>
+              <a:t>03/04/2022</a:t>
             </a:fld>
             <a:endParaRPr lang="en-NG"/>
           </a:p>
@@ -778,7 +780,7 @@
           <a:p>
             <a:fld id="{B4F7D79A-4498-406E-94CB-9F94018EB882}" type="datetimeFigureOut">
               <a:rPr lang="en-NG" smtClean="0"/>
-              <a:t>01/04/2022</a:t>
+              <a:t>03/04/2022</a:t>
             </a:fld>
             <a:endParaRPr lang="en-NG"/>
           </a:p>
@@ -1051,7 +1053,7 @@
           <a:p>
             <a:fld id="{B4F7D79A-4498-406E-94CB-9F94018EB882}" type="datetimeFigureOut">
               <a:rPr lang="en-NG" smtClean="0"/>
-              <a:t>01/04/2022</a:t>
+              <a:t>03/04/2022</a:t>
             </a:fld>
             <a:endParaRPr lang="en-NG"/>
           </a:p>
@@ -1392,7 +1394,7 @@
           <a:p>
             <a:fld id="{B4F7D79A-4498-406E-94CB-9F94018EB882}" type="datetimeFigureOut">
               <a:rPr lang="en-NG" smtClean="0"/>
-              <a:t>01/04/2022</a:t>
+              <a:t>03/04/2022</a:t>
             </a:fld>
             <a:endParaRPr lang="en-NG"/>
           </a:p>
@@ -2015,7 +2017,7 @@
           <a:p>
             <a:fld id="{B4F7D79A-4498-406E-94CB-9F94018EB882}" type="datetimeFigureOut">
               <a:rPr lang="en-NG" smtClean="0"/>
-              <a:t>01/04/2022</a:t>
+              <a:t>03/04/2022</a:t>
             </a:fld>
             <a:endParaRPr lang="en-NG"/>
           </a:p>
@@ -2875,7 +2877,7 @@
           <a:p>
             <a:fld id="{B4F7D79A-4498-406E-94CB-9F94018EB882}" type="datetimeFigureOut">
               <a:rPr lang="en-NG" smtClean="0"/>
-              <a:t>01/04/2022</a:t>
+              <a:t>03/04/2022</a:t>
             </a:fld>
             <a:endParaRPr lang="en-NG"/>
           </a:p>
@@ -3045,7 +3047,7 @@
           <a:p>
             <a:fld id="{B4F7D79A-4498-406E-94CB-9F94018EB882}" type="datetimeFigureOut">
               <a:rPr lang="en-NG" smtClean="0"/>
-              <a:t>01/04/2022</a:t>
+              <a:t>03/04/2022</a:t>
             </a:fld>
             <a:endParaRPr lang="en-NG"/>
           </a:p>
@@ -3225,7 +3227,7 @@
           <a:p>
             <a:fld id="{B4F7D79A-4498-406E-94CB-9F94018EB882}" type="datetimeFigureOut">
               <a:rPr lang="en-NG" smtClean="0"/>
-              <a:t>01/04/2022</a:t>
+              <a:t>03/04/2022</a:t>
             </a:fld>
             <a:endParaRPr lang="en-NG"/>
           </a:p>
@@ -3395,7 +3397,7 @@
           <a:p>
             <a:fld id="{B4F7D79A-4498-406E-94CB-9F94018EB882}" type="datetimeFigureOut">
               <a:rPr lang="en-NG" smtClean="0"/>
-              <a:t>01/04/2022</a:t>
+              <a:t>03/04/2022</a:t>
             </a:fld>
             <a:endParaRPr lang="en-NG"/>
           </a:p>
@@ -3642,7 +3644,7 @@
           <a:p>
             <a:fld id="{B4F7D79A-4498-406E-94CB-9F94018EB882}" type="datetimeFigureOut">
               <a:rPr lang="en-NG" smtClean="0"/>
-              <a:t>01/04/2022</a:t>
+              <a:t>03/04/2022</a:t>
             </a:fld>
             <a:endParaRPr lang="en-NG"/>
           </a:p>
@@ -3934,7 +3936,7 @@
           <a:p>
             <a:fld id="{B4F7D79A-4498-406E-94CB-9F94018EB882}" type="datetimeFigureOut">
               <a:rPr lang="en-NG" smtClean="0"/>
-              <a:t>01/04/2022</a:t>
+              <a:t>03/04/2022</a:t>
             </a:fld>
             <a:endParaRPr lang="en-NG"/>
           </a:p>
@@ -4378,7 +4380,7 @@
           <a:p>
             <a:fld id="{B4F7D79A-4498-406E-94CB-9F94018EB882}" type="datetimeFigureOut">
               <a:rPr lang="en-NG" smtClean="0"/>
-              <a:t>01/04/2022</a:t>
+              <a:t>03/04/2022</a:t>
             </a:fld>
             <a:endParaRPr lang="en-NG"/>
           </a:p>
@@ -4496,7 +4498,7 @@
           <a:p>
             <a:fld id="{B4F7D79A-4498-406E-94CB-9F94018EB882}" type="datetimeFigureOut">
               <a:rPr lang="en-NG" smtClean="0"/>
-              <a:t>01/04/2022</a:t>
+              <a:t>03/04/2022</a:t>
             </a:fld>
             <a:endParaRPr lang="en-NG"/>
           </a:p>
@@ -4591,7 +4593,7 @@
           <a:p>
             <a:fld id="{B4F7D79A-4498-406E-94CB-9F94018EB882}" type="datetimeFigureOut">
               <a:rPr lang="en-NG" smtClean="0"/>
-              <a:t>01/04/2022</a:t>
+              <a:t>03/04/2022</a:t>
             </a:fld>
             <a:endParaRPr lang="en-NG"/>
           </a:p>
@@ -4870,7 +4872,7 @@
           <a:p>
             <a:fld id="{B4F7D79A-4498-406E-94CB-9F94018EB882}" type="datetimeFigureOut">
               <a:rPr lang="en-NG" smtClean="0"/>
-              <a:t>01/04/2022</a:t>
+              <a:t>03/04/2022</a:t>
             </a:fld>
             <a:endParaRPr lang="en-NG"/>
           </a:p>
@@ -5145,7 +5147,7 @@
           <a:p>
             <a:fld id="{B4F7D79A-4498-406E-94CB-9F94018EB882}" type="datetimeFigureOut">
               <a:rPr lang="en-NG" smtClean="0"/>
-              <a:t>01/04/2022</a:t>
+              <a:t>03/04/2022</a:t>
             </a:fld>
             <a:endParaRPr lang="en-NG"/>
           </a:p>
@@ -5574,7 +5576,7 @@
           <a:p>
             <a:fld id="{B4F7D79A-4498-406E-94CB-9F94018EB882}" type="datetimeFigureOut">
               <a:rPr lang="en-NG" smtClean="0"/>
-              <a:t>01/04/2022</a:t>
+              <a:t>03/04/2022</a:t>
             </a:fld>
             <a:endParaRPr lang="en-NG"/>
           </a:p>
@@ -8018,7 +8020,11 @@
           <a:bodyPr/>
           <a:lstStyle/>
           <a:p>
-            <a:endParaRPr lang="en-NG"/>
+            <a:r>
+              <a:rPr lang="en-US" dirty="0"/>
+              <a:t>Pseudocode for question 4</a:t>
+            </a:r>
+            <a:endParaRPr lang="en-NG" dirty="0"/>
           </a:p>
         </p:txBody>
       </p:sp>
@@ -8043,7 +8049,37 @@
           <a:bodyPr/>
           <a:lstStyle/>
           <a:p>
-            <a:endParaRPr lang="en-NG"/>
+            <a:r>
+              <a:rPr lang="en-US" dirty="0"/>
+              <a:t>INPUT candidate name</a:t>
+            </a:r>
+          </a:p>
+          <a:p>
+            <a:r>
+              <a:rPr lang="en-US" dirty="0"/>
+              <a:t>CHECK if candidate has 230 above in jamb</a:t>
+            </a:r>
+          </a:p>
+          <a:p>
+            <a:r>
+              <a:rPr lang="en-US" dirty="0"/>
+              <a:t>CHECK if candidate has five credits</a:t>
+            </a:r>
+          </a:p>
+          <a:p>
+            <a:r>
+              <a:rPr lang="en-US" dirty="0"/>
+              <a:t>IF candidate has 230 above in jamb and has five credits in key subjects print YOU have admission</a:t>
+            </a:r>
+          </a:p>
+          <a:p>
+            <a:r>
+              <a:rPr lang="en-US" dirty="0"/>
+              <a:t>ELSE: print(YOU have not gained admission)</a:t>
+            </a:r>
+          </a:p>
+          <a:p>
+            <a:endParaRPr lang="en-NG" dirty="0"/>
           </a:p>
         </p:txBody>
       </p:sp>
@@ -8051,6 +8087,1337 @@
     <p:extLst>
       <p:ext uri="{BB962C8B-B14F-4D97-AF65-F5344CB8AC3E}">
         <p14:creationId xmlns:p14="http://schemas.microsoft.com/office/powerpoint/2010/main" val="260943651"/>
+      </p:ext>
+    </p:extLst>
+  </p:cSld>
+  <p:clrMapOvr>
+    <a:masterClrMapping/>
+  </p:clrMapOvr>
+</p:sld>
+</file>
+
+<file path=ppt/slides/slide13.xml><?xml version="1.0" encoding="utf-8"?>
+<p:sld xmlns:a="http://schemas.openxmlformats.org/drawingml/2006/main" xmlns:r="http://schemas.openxmlformats.org/officeDocument/2006/relationships" xmlns:p="http://schemas.openxmlformats.org/presentationml/2006/main">
+  <p:cSld>
+    <p:spTree>
+      <p:nvGrpSpPr>
+        <p:cNvPr id="1" name=""/>
+        <p:cNvGrpSpPr/>
+        <p:nvPr/>
+      </p:nvGrpSpPr>
+      <p:grpSpPr>
+        <a:xfrm>
+          <a:off x="0" y="0"/>
+          <a:ext cx="0" cy="0"/>
+          <a:chOff x="0" y="0"/>
+          <a:chExt cx="0" cy="0"/>
+        </a:xfrm>
+      </p:grpSpPr>
+      <p:sp>
+        <p:nvSpPr>
+          <p:cNvPr id="2" name="Title 1">
+            <a:extLst>
+              <a:ext uri="{FF2B5EF4-FFF2-40B4-BE49-F238E27FC236}">
+                <a16:creationId xmlns:a16="http://schemas.microsoft.com/office/drawing/2014/main" id="{1C579F85-329C-4992-82CF-82DD28464650}"/>
+              </a:ext>
+            </a:extLst>
+          </p:cNvPr>
+          <p:cNvSpPr>
+            <a:spLocks noGrp="1"/>
+          </p:cNvSpPr>
+          <p:nvPr>
+            <p:ph type="title"/>
+          </p:nvPr>
+        </p:nvSpPr>
+        <p:spPr/>
+        <p:txBody>
+          <a:bodyPr/>
+          <a:lstStyle/>
+          <a:p>
+            <a:endParaRPr lang="en-NG" dirty="0"/>
+          </a:p>
+        </p:txBody>
+      </p:sp>
+      <p:sp>
+        <p:nvSpPr>
+          <p:cNvPr id="3" name="Content Placeholder 2">
+            <a:extLst>
+              <a:ext uri="{FF2B5EF4-FFF2-40B4-BE49-F238E27FC236}">
+                <a16:creationId xmlns:a16="http://schemas.microsoft.com/office/drawing/2014/main" id="{E75A77C1-3E6A-4857-B7DA-935A7E9DB7C0}"/>
+              </a:ext>
+            </a:extLst>
+          </p:cNvPr>
+          <p:cNvSpPr>
+            <a:spLocks noGrp="1"/>
+          </p:cNvSpPr>
+          <p:nvPr>
+            <p:ph idx="1"/>
+          </p:nvPr>
+        </p:nvSpPr>
+        <p:spPr/>
+        <p:txBody>
+          <a:bodyPr/>
+          <a:lstStyle/>
+          <a:p>
+            <a:endParaRPr lang="en-US" dirty="0"/>
+          </a:p>
+          <a:p>
+            <a:endParaRPr lang="en-US" dirty="0"/>
+          </a:p>
+          <a:p>
+            <a:r>
+              <a:rPr lang="en-US" dirty="0"/>
+              <a:t>                                                                               No</a:t>
+            </a:r>
+          </a:p>
+          <a:p>
+            <a:endParaRPr lang="en-US" dirty="0"/>
+          </a:p>
+          <a:p>
+            <a:r>
+              <a:rPr lang="en-US" dirty="0"/>
+              <a:t>  </a:t>
+            </a:r>
+          </a:p>
+          <a:p>
+            <a:r>
+              <a:rPr lang="en-US" dirty="0"/>
+              <a:t>                                              YES                                                                               </a:t>
+            </a:r>
+            <a:endParaRPr lang="en-NG" dirty="0"/>
+          </a:p>
+        </p:txBody>
+      </p:sp>
+      <p:sp>
+        <p:nvSpPr>
+          <p:cNvPr id="4" name="Oval 3">
+            <a:extLst>
+              <a:ext uri="{FF2B5EF4-FFF2-40B4-BE49-F238E27FC236}">
+                <a16:creationId xmlns:a16="http://schemas.microsoft.com/office/drawing/2014/main" id="{87EB8C1C-8DB9-4A1B-8225-267629DD8F12}"/>
+              </a:ext>
+            </a:extLst>
+          </p:cNvPr>
+          <p:cNvSpPr/>
+          <p:nvPr/>
+        </p:nvSpPr>
+        <p:spPr>
+          <a:xfrm>
+            <a:off x="4903304" y="452718"/>
+            <a:ext cx="1550505" cy="700221"/>
+          </a:xfrm>
+          <a:prstGeom prst="ellipse">
+            <a:avLst/>
+          </a:prstGeom>
+        </p:spPr>
+        <p:style>
+          <a:lnRef idx="2">
+            <a:schemeClr val="accent6"/>
+          </a:lnRef>
+          <a:fillRef idx="1">
+            <a:schemeClr val="lt1"/>
+          </a:fillRef>
+          <a:effectRef idx="0">
+            <a:schemeClr val="accent6"/>
+          </a:effectRef>
+          <a:fontRef idx="minor">
+            <a:schemeClr val="dk1"/>
+          </a:fontRef>
+        </p:style>
+        <p:txBody>
+          <a:bodyPr rtlCol="0" anchor="ctr"/>
+          <a:lstStyle/>
+          <a:p>
+            <a:pPr algn="ctr"/>
+            <a:r>
+              <a:rPr lang="en-US" dirty="0">
+                <a:ln w="0"/>
+                <a:solidFill>
+                  <a:schemeClr val="accent1"/>
+                </a:solidFill>
+                <a:effectLst>
+                  <a:outerShdw blurRad="38100" dist="25400" dir="5400000" algn="ctr" rotWithShape="0">
+                    <a:srgbClr val="6E747A">
+                      <a:alpha val="43000"/>
+                    </a:srgbClr>
+                  </a:outerShdw>
+                </a:effectLst>
+              </a:rPr>
+              <a:t>START</a:t>
+            </a:r>
+            <a:endParaRPr lang="en-NG" dirty="0">
+              <a:ln w="0"/>
+              <a:solidFill>
+                <a:schemeClr val="accent1"/>
+              </a:solidFill>
+              <a:effectLst>
+                <a:outerShdw blurRad="38100" dist="25400" dir="5400000" algn="ctr" rotWithShape="0">
+                  <a:srgbClr val="6E747A">
+                    <a:alpha val="43000"/>
+                  </a:srgbClr>
+                </a:outerShdw>
+              </a:effectLst>
+            </a:endParaRPr>
+          </a:p>
+        </p:txBody>
+      </p:sp>
+      <p:cxnSp>
+        <p:nvCxnSpPr>
+          <p:cNvPr id="6" name="Straight Arrow Connector 5">
+            <a:extLst>
+              <a:ext uri="{FF2B5EF4-FFF2-40B4-BE49-F238E27FC236}">
+                <a16:creationId xmlns:a16="http://schemas.microsoft.com/office/drawing/2014/main" id="{4C64BFF5-1E10-4FF1-BCFE-8DA0F83D99AA}"/>
+              </a:ext>
+            </a:extLst>
+          </p:cNvPr>
+          <p:cNvCxnSpPr>
+            <a:cxnSpLocks/>
+            <a:stCxn id="4" idx="4"/>
+          </p:cNvCxnSpPr>
+          <p:nvPr/>
+        </p:nvCxnSpPr>
+        <p:spPr>
+          <a:xfrm>
+            <a:off x="5678557" y="1152939"/>
+            <a:ext cx="0" cy="371061"/>
+          </a:xfrm>
+          <a:prstGeom prst="straightConnector1">
+            <a:avLst/>
+          </a:prstGeom>
+          <a:ln>
+            <a:tailEnd type="triangle"/>
+          </a:ln>
+        </p:spPr>
+        <p:style>
+          <a:lnRef idx="1">
+            <a:schemeClr val="accent1"/>
+          </a:lnRef>
+          <a:fillRef idx="0">
+            <a:schemeClr val="accent1"/>
+          </a:fillRef>
+          <a:effectRef idx="0">
+            <a:schemeClr val="accent1"/>
+          </a:effectRef>
+          <a:fontRef idx="minor">
+            <a:schemeClr val="tx1"/>
+          </a:fontRef>
+        </p:style>
+      </p:cxnSp>
+      <p:sp>
+        <p:nvSpPr>
+          <p:cNvPr id="9" name="Parallelogram 8">
+            <a:extLst>
+              <a:ext uri="{FF2B5EF4-FFF2-40B4-BE49-F238E27FC236}">
+                <a16:creationId xmlns:a16="http://schemas.microsoft.com/office/drawing/2014/main" id="{B5DE19ED-77AC-47A2-8AA0-4AC29EF13814}"/>
+              </a:ext>
+            </a:extLst>
+          </p:cNvPr>
+          <p:cNvSpPr/>
+          <p:nvPr/>
+        </p:nvSpPr>
+        <p:spPr>
+          <a:xfrm>
+            <a:off x="4662183" y="1540793"/>
+            <a:ext cx="1828798" cy="1136145"/>
+          </a:xfrm>
+          <a:prstGeom prst="parallelogram">
+            <a:avLst/>
+          </a:prstGeom>
+        </p:spPr>
+        <p:style>
+          <a:lnRef idx="2">
+            <a:schemeClr val="accent6"/>
+          </a:lnRef>
+          <a:fillRef idx="1">
+            <a:schemeClr val="lt1"/>
+          </a:fillRef>
+          <a:effectRef idx="0">
+            <a:schemeClr val="accent6"/>
+          </a:effectRef>
+          <a:fontRef idx="minor">
+            <a:schemeClr val="dk1"/>
+          </a:fontRef>
+        </p:style>
+        <p:txBody>
+          <a:bodyPr rtlCol="0" anchor="ctr"/>
+          <a:lstStyle/>
+          <a:p>
+            <a:pPr algn="ctr"/>
+            <a:r>
+              <a:rPr lang="en-US" dirty="0">
+                <a:ln w="0"/>
+                <a:solidFill>
+                  <a:schemeClr val="accent1"/>
+                </a:solidFill>
+                <a:effectLst>
+                  <a:outerShdw blurRad="38100" dist="25400" dir="5400000" algn="ctr" rotWithShape="0">
+                    <a:srgbClr val="6E747A">
+                      <a:alpha val="43000"/>
+                    </a:srgbClr>
+                  </a:outerShdw>
+                </a:effectLst>
+              </a:rPr>
+              <a:t>INPUT user’s jamb score</a:t>
+            </a:r>
+            <a:endParaRPr lang="en-NG" dirty="0">
+              <a:ln w="0"/>
+              <a:solidFill>
+                <a:schemeClr val="accent1"/>
+              </a:solidFill>
+              <a:effectLst>
+                <a:outerShdw blurRad="38100" dist="25400" dir="5400000" algn="ctr" rotWithShape="0">
+                  <a:srgbClr val="6E747A">
+                    <a:alpha val="43000"/>
+                  </a:srgbClr>
+                </a:outerShdw>
+              </a:effectLst>
+            </a:endParaRPr>
+          </a:p>
+        </p:txBody>
+      </p:sp>
+      <p:cxnSp>
+        <p:nvCxnSpPr>
+          <p:cNvPr id="11" name="Straight Arrow Connector 10">
+            <a:extLst>
+              <a:ext uri="{FF2B5EF4-FFF2-40B4-BE49-F238E27FC236}">
+                <a16:creationId xmlns:a16="http://schemas.microsoft.com/office/drawing/2014/main" id="{BC876EC5-4A9C-4198-912A-52F4BFA436CD}"/>
+              </a:ext>
+            </a:extLst>
+          </p:cNvPr>
+          <p:cNvCxnSpPr/>
+          <p:nvPr/>
+        </p:nvCxnSpPr>
+        <p:spPr>
+          <a:xfrm>
+            <a:off x="5459896" y="2693731"/>
+            <a:ext cx="0" cy="247592"/>
+          </a:xfrm>
+          <a:prstGeom prst="straightConnector1">
+            <a:avLst/>
+          </a:prstGeom>
+          <a:ln>
+            <a:tailEnd type="triangle"/>
+          </a:ln>
+        </p:spPr>
+        <p:style>
+          <a:lnRef idx="1">
+            <a:schemeClr val="accent1"/>
+          </a:lnRef>
+          <a:fillRef idx="0">
+            <a:schemeClr val="accent1"/>
+          </a:fillRef>
+          <a:effectRef idx="0">
+            <a:schemeClr val="accent1"/>
+          </a:effectRef>
+          <a:fontRef idx="minor">
+            <a:schemeClr val="tx1"/>
+          </a:fontRef>
+        </p:style>
+      </p:cxnSp>
+      <p:sp>
+        <p:nvSpPr>
+          <p:cNvPr id="12" name="Diamond 11">
+            <a:extLst>
+              <a:ext uri="{FF2B5EF4-FFF2-40B4-BE49-F238E27FC236}">
+                <a16:creationId xmlns:a16="http://schemas.microsoft.com/office/drawing/2014/main" id="{E90B72BF-8904-448D-81C9-BE03EDBC4850}"/>
+              </a:ext>
+            </a:extLst>
+          </p:cNvPr>
+          <p:cNvSpPr/>
+          <p:nvPr/>
+        </p:nvSpPr>
+        <p:spPr>
+          <a:xfrm>
+            <a:off x="3632316" y="2938713"/>
+            <a:ext cx="3432312" cy="1136145"/>
+          </a:xfrm>
+          <a:prstGeom prst="diamond">
+            <a:avLst/>
+          </a:prstGeom>
+        </p:spPr>
+        <p:style>
+          <a:lnRef idx="2">
+            <a:schemeClr val="accent6"/>
+          </a:lnRef>
+          <a:fillRef idx="1">
+            <a:schemeClr val="lt1"/>
+          </a:fillRef>
+          <a:effectRef idx="0">
+            <a:schemeClr val="accent6"/>
+          </a:effectRef>
+          <a:fontRef idx="minor">
+            <a:schemeClr val="dk1"/>
+          </a:fontRef>
+        </p:style>
+        <p:txBody>
+          <a:bodyPr rtlCol="0" anchor="ctr"/>
+          <a:lstStyle/>
+          <a:p>
+            <a:pPr algn="ctr"/>
+            <a:r>
+              <a:rPr lang="en-US" dirty="0">
+                <a:ln w="0"/>
+                <a:solidFill>
+                  <a:schemeClr val="accent1"/>
+                </a:solidFill>
+                <a:effectLst>
+                  <a:outerShdw blurRad="38100" dist="25400" dir="5400000" algn="ctr" rotWithShape="0">
+                    <a:srgbClr val="6E747A">
+                      <a:alpha val="43000"/>
+                    </a:srgbClr>
+                  </a:outerShdw>
+                </a:effectLst>
+              </a:rPr>
+              <a:t>Is the jamb score at least 230</a:t>
+            </a:r>
+            <a:endParaRPr lang="en-NG" dirty="0">
+              <a:ln w="0"/>
+              <a:solidFill>
+                <a:schemeClr val="accent1"/>
+              </a:solidFill>
+              <a:effectLst>
+                <a:outerShdw blurRad="38100" dist="25400" dir="5400000" algn="ctr" rotWithShape="0">
+                  <a:srgbClr val="6E747A">
+                    <a:alpha val="43000"/>
+                  </a:srgbClr>
+                </a:outerShdw>
+              </a:effectLst>
+            </a:endParaRPr>
+          </a:p>
+        </p:txBody>
+      </p:sp>
+      <p:cxnSp>
+        <p:nvCxnSpPr>
+          <p:cNvPr id="14" name="Straight Arrow Connector 13">
+            <a:extLst>
+              <a:ext uri="{FF2B5EF4-FFF2-40B4-BE49-F238E27FC236}">
+                <a16:creationId xmlns:a16="http://schemas.microsoft.com/office/drawing/2014/main" id="{CF97CBC1-1E9A-4015-B653-6E1F6EF1B040}"/>
+              </a:ext>
+            </a:extLst>
+          </p:cNvPr>
+          <p:cNvCxnSpPr>
+            <a:cxnSpLocks/>
+            <a:stCxn id="12" idx="3"/>
+          </p:cNvCxnSpPr>
+          <p:nvPr/>
+        </p:nvCxnSpPr>
+        <p:spPr>
+          <a:xfrm>
+            <a:off x="7064628" y="3506786"/>
+            <a:ext cx="1867337" cy="0"/>
+          </a:xfrm>
+          <a:prstGeom prst="straightConnector1">
+            <a:avLst/>
+          </a:prstGeom>
+          <a:ln>
+            <a:tailEnd type="triangle"/>
+          </a:ln>
+        </p:spPr>
+        <p:style>
+          <a:lnRef idx="1">
+            <a:schemeClr val="accent1"/>
+          </a:lnRef>
+          <a:fillRef idx="0">
+            <a:schemeClr val="accent1"/>
+          </a:fillRef>
+          <a:effectRef idx="0">
+            <a:schemeClr val="accent1"/>
+          </a:effectRef>
+          <a:fontRef idx="minor">
+            <a:schemeClr val="tx1"/>
+          </a:fontRef>
+        </p:style>
+      </p:cxnSp>
+      <p:cxnSp>
+        <p:nvCxnSpPr>
+          <p:cNvPr id="17" name="Straight Arrow Connector 16">
+            <a:extLst>
+              <a:ext uri="{FF2B5EF4-FFF2-40B4-BE49-F238E27FC236}">
+                <a16:creationId xmlns:a16="http://schemas.microsoft.com/office/drawing/2014/main" id="{430E0020-9CEB-4F41-BAD1-6B958F053DD6}"/>
+              </a:ext>
+            </a:extLst>
+          </p:cNvPr>
+          <p:cNvCxnSpPr>
+            <a:cxnSpLocks/>
+          </p:cNvCxnSpPr>
+          <p:nvPr/>
+        </p:nvCxnSpPr>
+        <p:spPr>
+          <a:xfrm>
+            <a:off x="5314122" y="4074858"/>
+            <a:ext cx="0" cy="311612"/>
+          </a:xfrm>
+          <a:prstGeom prst="straightConnector1">
+            <a:avLst/>
+          </a:prstGeom>
+          <a:ln>
+            <a:tailEnd type="triangle"/>
+          </a:ln>
+        </p:spPr>
+        <p:style>
+          <a:lnRef idx="1">
+            <a:schemeClr val="accent1"/>
+          </a:lnRef>
+          <a:fillRef idx="0">
+            <a:schemeClr val="accent1"/>
+          </a:fillRef>
+          <a:effectRef idx="0">
+            <a:schemeClr val="accent1"/>
+          </a:effectRef>
+          <a:fontRef idx="minor">
+            <a:schemeClr val="tx1"/>
+          </a:fontRef>
+        </p:style>
+      </p:cxnSp>
+      <p:sp>
+        <p:nvSpPr>
+          <p:cNvPr id="18" name="Parallelogram 17">
+            <a:extLst>
+              <a:ext uri="{FF2B5EF4-FFF2-40B4-BE49-F238E27FC236}">
+                <a16:creationId xmlns:a16="http://schemas.microsoft.com/office/drawing/2014/main" id="{F96C100F-6362-43BC-BD58-821DB6D7BB5E}"/>
+              </a:ext>
+            </a:extLst>
+          </p:cNvPr>
+          <p:cNvSpPr/>
+          <p:nvPr/>
+        </p:nvSpPr>
+        <p:spPr>
+          <a:xfrm>
+            <a:off x="4412974" y="4524878"/>
+            <a:ext cx="1802295" cy="1136145"/>
+          </a:xfrm>
+          <a:prstGeom prst="parallelogram">
+            <a:avLst/>
+          </a:prstGeom>
+        </p:spPr>
+        <p:style>
+          <a:lnRef idx="2">
+            <a:schemeClr val="accent6"/>
+          </a:lnRef>
+          <a:fillRef idx="1">
+            <a:schemeClr val="lt1"/>
+          </a:fillRef>
+          <a:effectRef idx="0">
+            <a:schemeClr val="accent6"/>
+          </a:effectRef>
+          <a:fontRef idx="minor">
+            <a:schemeClr val="dk1"/>
+          </a:fontRef>
+        </p:style>
+        <p:txBody>
+          <a:bodyPr rtlCol="0" anchor="ctr"/>
+          <a:lstStyle/>
+          <a:p>
+            <a:pPr algn="ctr"/>
+            <a:r>
+              <a:rPr lang="en-US" dirty="0">
+                <a:ln w="0"/>
+                <a:solidFill>
+                  <a:schemeClr val="accent1"/>
+                </a:solidFill>
+                <a:effectLst>
+                  <a:outerShdw blurRad="38100" dist="25400" dir="5400000" algn="ctr" rotWithShape="0">
+                    <a:srgbClr val="6E747A">
+                      <a:alpha val="43000"/>
+                    </a:srgbClr>
+                  </a:outerShdw>
+                </a:effectLst>
+              </a:rPr>
+              <a:t>INPUT grade in 5 key subjects</a:t>
+            </a:r>
+            <a:endParaRPr lang="en-NG" dirty="0">
+              <a:ln w="0"/>
+              <a:solidFill>
+                <a:schemeClr val="accent1"/>
+              </a:solidFill>
+              <a:effectLst>
+                <a:outerShdw blurRad="38100" dist="25400" dir="5400000" algn="ctr" rotWithShape="0">
+                  <a:srgbClr val="6E747A">
+                    <a:alpha val="43000"/>
+                  </a:srgbClr>
+                </a:outerShdw>
+              </a:effectLst>
+            </a:endParaRPr>
+          </a:p>
+        </p:txBody>
+      </p:sp>
+      <p:cxnSp>
+        <p:nvCxnSpPr>
+          <p:cNvPr id="21" name="Straight Connector 20">
+            <a:extLst>
+              <a:ext uri="{FF2B5EF4-FFF2-40B4-BE49-F238E27FC236}">
+                <a16:creationId xmlns:a16="http://schemas.microsoft.com/office/drawing/2014/main" id="{A32444D6-744E-4F0E-9032-F98B01D7690B}"/>
+              </a:ext>
+            </a:extLst>
+          </p:cNvPr>
+          <p:cNvCxnSpPr/>
+          <p:nvPr/>
+        </p:nvCxnSpPr>
+        <p:spPr>
+          <a:xfrm>
+            <a:off x="5314122" y="5661023"/>
+            <a:ext cx="0" cy="364435"/>
+          </a:xfrm>
+          <a:prstGeom prst="line">
+            <a:avLst/>
+          </a:prstGeom>
+        </p:spPr>
+        <p:style>
+          <a:lnRef idx="1">
+            <a:schemeClr val="accent1"/>
+          </a:lnRef>
+          <a:fillRef idx="0">
+            <a:schemeClr val="accent1"/>
+          </a:fillRef>
+          <a:effectRef idx="0">
+            <a:schemeClr val="accent1"/>
+          </a:effectRef>
+          <a:fontRef idx="minor">
+            <a:schemeClr val="tx1"/>
+          </a:fontRef>
+        </p:style>
+      </p:cxnSp>
+      <p:cxnSp>
+        <p:nvCxnSpPr>
+          <p:cNvPr id="24" name="Straight Connector 23">
+            <a:extLst>
+              <a:ext uri="{FF2B5EF4-FFF2-40B4-BE49-F238E27FC236}">
+                <a16:creationId xmlns:a16="http://schemas.microsoft.com/office/drawing/2014/main" id="{83C5EE34-0047-4BBB-8EDE-292753E39129}"/>
+              </a:ext>
+            </a:extLst>
+          </p:cNvPr>
+          <p:cNvCxnSpPr/>
+          <p:nvPr/>
+        </p:nvCxnSpPr>
+        <p:spPr>
+          <a:xfrm>
+            <a:off x="8931965" y="3506786"/>
+            <a:ext cx="0" cy="2518672"/>
+          </a:xfrm>
+          <a:prstGeom prst="line">
+            <a:avLst/>
+          </a:prstGeom>
+        </p:spPr>
+        <p:style>
+          <a:lnRef idx="1">
+            <a:schemeClr val="accent1"/>
+          </a:lnRef>
+          <a:fillRef idx="0">
+            <a:schemeClr val="accent1"/>
+          </a:fillRef>
+          <a:effectRef idx="0">
+            <a:schemeClr val="accent1"/>
+          </a:effectRef>
+          <a:fontRef idx="minor">
+            <a:schemeClr val="tx1"/>
+          </a:fontRef>
+        </p:style>
+      </p:cxnSp>
+    </p:spTree>
+    <p:extLst>
+      <p:ext uri="{BB962C8B-B14F-4D97-AF65-F5344CB8AC3E}">
+        <p14:creationId xmlns:p14="http://schemas.microsoft.com/office/powerpoint/2010/main" val="3721610958"/>
+      </p:ext>
+    </p:extLst>
+  </p:cSld>
+  <p:clrMapOvr>
+    <a:masterClrMapping/>
+  </p:clrMapOvr>
+</p:sld>
+</file>
+
+<file path=ppt/slides/slide14.xml><?xml version="1.0" encoding="utf-8"?>
+<p:sld xmlns:a="http://schemas.openxmlformats.org/drawingml/2006/main" xmlns:r="http://schemas.openxmlformats.org/officeDocument/2006/relationships" xmlns:p="http://schemas.openxmlformats.org/presentationml/2006/main">
+  <p:cSld>
+    <p:spTree>
+      <p:nvGrpSpPr>
+        <p:cNvPr id="1" name=""/>
+        <p:cNvGrpSpPr/>
+        <p:nvPr/>
+      </p:nvGrpSpPr>
+      <p:grpSpPr>
+        <a:xfrm>
+          <a:off x="0" y="0"/>
+          <a:ext cx="0" cy="0"/>
+          <a:chOff x="0" y="0"/>
+          <a:chExt cx="0" cy="0"/>
+        </a:xfrm>
+      </p:grpSpPr>
+      <p:sp>
+        <p:nvSpPr>
+          <p:cNvPr id="2" name="Title 1">
+            <a:extLst>
+              <a:ext uri="{FF2B5EF4-FFF2-40B4-BE49-F238E27FC236}">
+                <a16:creationId xmlns:a16="http://schemas.microsoft.com/office/drawing/2014/main" id="{0D01B614-164F-41E7-860F-E9BAF804ACA8}"/>
+              </a:ext>
+            </a:extLst>
+          </p:cNvPr>
+          <p:cNvSpPr>
+            <a:spLocks noGrp="1"/>
+          </p:cNvSpPr>
+          <p:nvPr>
+            <p:ph type="title"/>
+          </p:nvPr>
+        </p:nvSpPr>
+        <p:spPr/>
+        <p:txBody>
+          <a:bodyPr/>
+          <a:lstStyle/>
+          <a:p>
+            <a:endParaRPr lang="en-NG" dirty="0"/>
+          </a:p>
+        </p:txBody>
+      </p:sp>
+      <p:cxnSp>
+        <p:nvCxnSpPr>
+          <p:cNvPr id="5" name="Straight Arrow Connector 4">
+            <a:extLst>
+              <a:ext uri="{FF2B5EF4-FFF2-40B4-BE49-F238E27FC236}">
+                <a16:creationId xmlns:a16="http://schemas.microsoft.com/office/drawing/2014/main" id="{77D09976-3EB0-4F95-8FC5-939B5D6F7B54}"/>
+              </a:ext>
+            </a:extLst>
+          </p:cNvPr>
+          <p:cNvCxnSpPr/>
+          <p:nvPr/>
+        </p:nvCxnSpPr>
+        <p:spPr>
+          <a:xfrm>
+            <a:off x="5353878" y="596348"/>
+            <a:ext cx="0" cy="278295"/>
+          </a:xfrm>
+          <a:prstGeom prst="straightConnector1">
+            <a:avLst/>
+          </a:prstGeom>
+          <a:ln>
+            <a:tailEnd type="triangle"/>
+          </a:ln>
+        </p:spPr>
+        <p:style>
+          <a:lnRef idx="1">
+            <a:schemeClr val="accent1"/>
+          </a:lnRef>
+          <a:fillRef idx="0">
+            <a:schemeClr val="accent1"/>
+          </a:fillRef>
+          <a:effectRef idx="0">
+            <a:schemeClr val="accent1"/>
+          </a:effectRef>
+          <a:fontRef idx="minor">
+            <a:schemeClr val="tx1"/>
+          </a:fontRef>
+        </p:style>
+      </p:cxnSp>
+      <p:sp>
+        <p:nvSpPr>
+          <p:cNvPr id="6" name="Diamond 5">
+            <a:extLst>
+              <a:ext uri="{FF2B5EF4-FFF2-40B4-BE49-F238E27FC236}">
+                <a16:creationId xmlns:a16="http://schemas.microsoft.com/office/drawing/2014/main" id="{06A90942-F0A5-4D29-9A80-D0337D0D6CB5}"/>
+              </a:ext>
+            </a:extLst>
+          </p:cNvPr>
+          <p:cNvSpPr/>
+          <p:nvPr/>
+        </p:nvSpPr>
+        <p:spPr>
+          <a:xfrm>
+            <a:off x="3922645" y="929709"/>
+            <a:ext cx="2994989" cy="1400530"/>
+          </a:xfrm>
+          <a:prstGeom prst="diamond">
+            <a:avLst/>
+          </a:prstGeom>
+        </p:spPr>
+        <p:style>
+          <a:lnRef idx="2">
+            <a:schemeClr val="accent6"/>
+          </a:lnRef>
+          <a:fillRef idx="1">
+            <a:schemeClr val="lt1"/>
+          </a:fillRef>
+          <a:effectRef idx="0">
+            <a:schemeClr val="accent6"/>
+          </a:effectRef>
+          <a:fontRef idx="minor">
+            <a:schemeClr val="dk1"/>
+          </a:fontRef>
+        </p:style>
+        <p:txBody>
+          <a:bodyPr rtlCol="0" anchor="ctr"/>
+          <a:lstStyle/>
+          <a:p>
+            <a:pPr algn="ctr"/>
+            <a:r>
+              <a:rPr lang="en-US" dirty="0">
+                <a:ln w="0"/>
+                <a:solidFill>
+                  <a:schemeClr val="accent1"/>
+                </a:solidFill>
+                <a:effectLst>
+                  <a:outerShdw blurRad="38100" dist="25400" dir="5400000" algn="ctr" rotWithShape="0">
+                    <a:srgbClr val="6E747A">
+                      <a:alpha val="43000"/>
+                    </a:srgbClr>
+                  </a:outerShdw>
+                </a:effectLst>
+              </a:rPr>
+              <a:t>Does candidate have 5 credits</a:t>
+            </a:r>
+            <a:endParaRPr lang="en-NG" dirty="0">
+              <a:ln w="0"/>
+              <a:solidFill>
+                <a:schemeClr val="accent1"/>
+              </a:solidFill>
+              <a:effectLst>
+                <a:outerShdw blurRad="38100" dist="25400" dir="5400000" algn="ctr" rotWithShape="0">
+                  <a:srgbClr val="6E747A">
+                    <a:alpha val="43000"/>
+                  </a:srgbClr>
+                </a:outerShdw>
+              </a:effectLst>
+            </a:endParaRPr>
+          </a:p>
+        </p:txBody>
+      </p:sp>
+      <p:sp>
+        <p:nvSpPr>
+          <p:cNvPr id="7" name="Content Placeholder 6">
+            <a:extLst>
+              <a:ext uri="{FF2B5EF4-FFF2-40B4-BE49-F238E27FC236}">
+                <a16:creationId xmlns:a16="http://schemas.microsoft.com/office/drawing/2014/main" id="{47CED1DD-C5A2-412E-BEF0-D1A156279B9F}"/>
+              </a:ext>
+            </a:extLst>
+          </p:cNvPr>
+          <p:cNvSpPr>
+            <a:spLocks noGrp="1"/>
+          </p:cNvSpPr>
+          <p:nvPr>
+            <p:ph idx="1"/>
+          </p:nvPr>
+        </p:nvSpPr>
+        <p:spPr>
+          <a:xfrm>
+            <a:off x="7262192" y="929709"/>
+            <a:ext cx="2231680" cy="1755912"/>
+          </a:xfrm>
+          <a:prstGeom prst="parallelogram">
+            <a:avLst/>
+          </a:prstGeom>
+        </p:spPr>
+        <p:style>
+          <a:lnRef idx="2">
+            <a:schemeClr val="accent6"/>
+          </a:lnRef>
+          <a:fillRef idx="1">
+            <a:schemeClr val="lt1"/>
+          </a:fillRef>
+          <a:effectRef idx="0">
+            <a:schemeClr val="accent6"/>
+          </a:effectRef>
+          <a:fontRef idx="minor">
+            <a:schemeClr val="dk1"/>
+          </a:fontRef>
+        </p:style>
+        <p:txBody>
+          <a:bodyPr rtlCol="0" anchor="ctr">
+            <a:normAutofit fontScale="77500" lnSpcReduction="20000"/>
+          </a:bodyPr>
+          <a:lstStyle/>
+          <a:p>
+            <a:pPr algn="ctr"/>
+            <a:r>
+              <a:rPr lang="en-US" dirty="0">
+                <a:ln w="0"/>
+                <a:solidFill>
+                  <a:schemeClr val="accent1"/>
+                </a:solidFill>
+                <a:effectLst>
+                  <a:outerShdw blurRad="38100" dist="25400" dir="5400000" algn="ctr" rotWithShape="0">
+                    <a:srgbClr val="6E747A">
+                      <a:alpha val="43000"/>
+                    </a:srgbClr>
+                  </a:outerShdw>
+                </a:effectLst>
+              </a:rPr>
+              <a:t>Sorry, you have not been given admission</a:t>
+            </a:r>
+            <a:endParaRPr lang="en-NG" dirty="0">
+              <a:ln w="0"/>
+              <a:solidFill>
+                <a:schemeClr val="accent1"/>
+              </a:solidFill>
+              <a:effectLst>
+                <a:outerShdw blurRad="38100" dist="25400" dir="5400000" algn="ctr" rotWithShape="0">
+                  <a:srgbClr val="6E747A">
+                    <a:alpha val="43000"/>
+                  </a:srgbClr>
+                </a:outerShdw>
+              </a:effectLst>
+            </a:endParaRPr>
+          </a:p>
+        </p:txBody>
+      </p:sp>
+      <p:cxnSp>
+        <p:nvCxnSpPr>
+          <p:cNvPr id="9" name="Straight Arrow Connector 8">
+            <a:extLst>
+              <a:ext uri="{FF2B5EF4-FFF2-40B4-BE49-F238E27FC236}">
+                <a16:creationId xmlns:a16="http://schemas.microsoft.com/office/drawing/2014/main" id="{2560E674-C4C6-4F49-9236-89AEBFCF89FB}"/>
+              </a:ext>
+            </a:extLst>
+          </p:cNvPr>
+          <p:cNvCxnSpPr>
+            <a:cxnSpLocks/>
+          </p:cNvCxnSpPr>
+          <p:nvPr/>
+        </p:nvCxnSpPr>
+        <p:spPr>
+          <a:xfrm>
+            <a:off x="8468139" y="596348"/>
+            <a:ext cx="0" cy="333361"/>
+          </a:xfrm>
+          <a:prstGeom prst="straightConnector1">
+            <a:avLst/>
+          </a:prstGeom>
+          <a:ln>
+            <a:tailEnd type="triangle"/>
+          </a:ln>
+        </p:spPr>
+        <p:style>
+          <a:lnRef idx="1">
+            <a:schemeClr val="accent1"/>
+          </a:lnRef>
+          <a:fillRef idx="0">
+            <a:schemeClr val="accent1"/>
+          </a:fillRef>
+          <a:effectRef idx="0">
+            <a:schemeClr val="accent1"/>
+          </a:effectRef>
+          <a:fontRef idx="minor">
+            <a:schemeClr val="tx1"/>
+          </a:fontRef>
+        </p:style>
+      </p:cxnSp>
+      <p:cxnSp>
+        <p:nvCxnSpPr>
+          <p:cNvPr id="12" name="Straight Arrow Connector 11">
+            <a:extLst>
+              <a:ext uri="{FF2B5EF4-FFF2-40B4-BE49-F238E27FC236}">
+                <a16:creationId xmlns:a16="http://schemas.microsoft.com/office/drawing/2014/main" id="{84BFC23A-AEBE-49B7-9215-537D71F0C1DE}"/>
+              </a:ext>
+            </a:extLst>
+          </p:cNvPr>
+          <p:cNvCxnSpPr>
+            <a:cxnSpLocks/>
+          </p:cNvCxnSpPr>
+          <p:nvPr/>
+        </p:nvCxnSpPr>
+        <p:spPr>
+          <a:xfrm>
+            <a:off x="7023652" y="1616765"/>
+            <a:ext cx="503583" cy="0"/>
+          </a:xfrm>
+          <a:prstGeom prst="straightConnector1">
+            <a:avLst/>
+          </a:prstGeom>
+          <a:ln>
+            <a:tailEnd type="triangle"/>
+          </a:ln>
+        </p:spPr>
+        <p:style>
+          <a:lnRef idx="1">
+            <a:schemeClr val="accent1"/>
+          </a:lnRef>
+          <a:fillRef idx="0">
+            <a:schemeClr val="accent1"/>
+          </a:fillRef>
+          <a:effectRef idx="0">
+            <a:schemeClr val="accent1"/>
+          </a:effectRef>
+          <a:fontRef idx="minor">
+            <a:schemeClr val="tx1"/>
+          </a:fontRef>
+        </p:style>
+      </p:cxnSp>
+      <p:sp>
+        <p:nvSpPr>
+          <p:cNvPr id="14" name="TextBox 13">
+            <a:extLst>
+              <a:ext uri="{FF2B5EF4-FFF2-40B4-BE49-F238E27FC236}">
+                <a16:creationId xmlns:a16="http://schemas.microsoft.com/office/drawing/2014/main" id="{2014CC6A-F89A-4E9E-80C2-DC14C2945032}"/>
+              </a:ext>
+            </a:extLst>
+          </p:cNvPr>
+          <p:cNvSpPr txBox="1"/>
+          <p:nvPr/>
+        </p:nvSpPr>
+        <p:spPr>
+          <a:xfrm>
+            <a:off x="6917634" y="1232452"/>
+            <a:ext cx="503583" cy="369332"/>
+          </a:xfrm>
+          <a:prstGeom prst="rect">
+            <a:avLst/>
+          </a:prstGeom>
+          <a:noFill/>
+        </p:spPr>
+        <p:txBody>
+          <a:bodyPr wrap="square" rtlCol="0">
+            <a:spAutoFit/>
+          </a:bodyPr>
+          <a:lstStyle/>
+          <a:p>
+            <a:r>
+              <a:rPr lang="en-US" dirty="0"/>
+              <a:t>No</a:t>
+            </a:r>
+            <a:endParaRPr lang="en-NG" dirty="0"/>
+          </a:p>
+        </p:txBody>
+      </p:sp>
+      <p:cxnSp>
+        <p:nvCxnSpPr>
+          <p:cNvPr id="16" name="Straight Arrow Connector 15">
+            <a:extLst>
+              <a:ext uri="{FF2B5EF4-FFF2-40B4-BE49-F238E27FC236}">
+                <a16:creationId xmlns:a16="http://schemas.microsoft.com/office/drawing/2014/main" id="{B4E9C5E0-A023-4C29-9823-215383DC6ABA}"/>
+              </a:ext>
+            </a:extLst>
+          </p:cNvPr>
+          <p:cNvCxnSpPr>
+            <a:cxnSpLocks/>
+            <a:stCxn id="6" idx="2"/>
+          </p:cNvCxnSpPr>
+          <p:nvPr/>
+        </p:nvCxnSpPr>
+        <p:spPr>
+          <a:xfrm>
+            <a:off x="5420140" y="2330239"/>
+            <a:ext cx="0" cy="355382"/>
+          </a:xfrm>
+          <a:prstGeom prst="straightConnector1">
+            <a:avLst/>
+          </a:prstGeom>
+          <a:ln>
+            <a:tailEnd type="triangle"/>
+          </a:ln>
+        </p:spPr>
+        <p:style>
+          <a:lnRef idx="1">
+            <a:schemeClr val="accent1"/>
+          </a:lnRef>
+          <a:fillRef idx="0">
+            <a:schemeClr val="accent1"/>
+          </a:fillRef>
+          <a:effectRef idx="0">
+            <a:schemeClr val="accent1"/>
+          </a:effectRef>
+          <a:fontRef idx="minor">
+            <a:schemeClr val="tx1"/>
+          </a:fontRef>
+        </p:style>
+      </p:cxnSp>
+      <p:sp>
+        <p:nvSpPr>
+          <p:cNvPr id="19" name="Parallelogram 18">
+            <a:extLst>
+              <a:ext uri="{FF2B5EF4-FFF2-40B4-BE49-F238E27FC236}">
+                <a16:creationId xmlns:a16="http://schemas.microsoft.com/office/drawing/2014/main" id="{2DB6500C-E794-4D42-BC51-71DE9DAB5EFE}"/>
+              </a:ext>
+            </a:extLst>
+          </p:cNvPr>
+          <p:cNvSpPr/>
+          <p:nvPr/>
+        </p:nvSpPr>
+        <p:spPr>
+          <a:xfrm>
+            <a:off x="4142524" y="2685620"/>
+            <a:ext cx="2411895" cy="1400529"/>
+          </a:xfrm>
+          <a:prstGeom prst="parallelogram">
+            <a:avLst/>
+          </a:prstGeom>
+        </p:spPr>
+        <p:style>
+          <a:lnRef idx="2">
+            <a:schemeClr val="accent6"/>
+          </a:lnRef>
+          <a:fillRef idx="1">
+            <a:schemeClr val="lt1"/>
+          </a:fillRef>
+          <a:effectRef idx="0">
+            <a:schemeClr val="accent6"/>
+          </a:effectRef>
+          <a:fontRef idx="minor">
+            <a:schemeClr val="dk1"/>
+          </a:fontRef>
+        </p:style>
+        <p:txBody>
+          <a:bodyPr rtlCol="0" anchor="ctr"/>
+          <a:lstStyle/>
+          <a:p>
+            <a:pPr algn="ctr"/>
+            <a:r>
+              <a:rPr lang="en-US" dirty="0">
+                <a:ln w="0"/>
+                <a:solidFill>
+                  <a:schemeClr val="accent1"/>
+                </a:solidFill>
+                <a:effectLst>
+                  <a:outerShdw blurRad="38100" dist="25400" dir="5400000" algn="ctr" rotWithShape="0">
+                    <a:srgbClr val="6E747A">
+                      <a:alpha val="43000"/>
+                    </a:srgbClr>
+                  </a:outerShdw>
+                </a:effectLst>
+              </a:rPr>
+              <a:t>Print Congrats, you have been given admission</a:t>
+            </a:r>
+            <a:endParaRPr lang="en-NG" dirty="0">
+              <a:ln w="0"/>
+              <a:solidFill>
+                <a:schemeClr val="accent1"/>
+              </a:solidFill>
+              <a:effectLst>
+                <a:outerShdw blurRad="38100" dist="25400" dir="5400000" algn="ctr" rotWithShape="0">
+                  <a:srgbClr val="6E747A">
+                    <a:alpha val="43000"/>
+                  </a:srgbClr>
+                </a:outerShdw>
+              </a:effectLst>
+            </a:endParaRPr>
+          </a:p>
+        </p:txBody>
+      </p:sp>
+      <p:cxnSp>
+        <p:nvCxnSpPr>
+          <p:cNvPr id="21" name="Straight Arrow Connector 20">
+            <a:extLst>
+              <a:ext uri="{FF2B5EF4-FFF2-40B4-BE49-F238E27FC236}">
+                <a16:creationId xmlns:a16="http://schemas.microsoft.com/office/drawing/2014/main" id="{0B66416D-17DC-4F22-B6A9-AFB9411CCD0D}"/>
+              </a:ext>
+            </a:extLst>
+          </p:cNvPr>
+          <p:cNvCxnSpPr>
+            <a:stCxn id="19" idx="4"/>
+          </p:cNvCxnSpPr>
+          <p:nvPr/>
+        </p:nvCxnSpPr>
+        <p:spPr>
+          <a:xfrm>
+            <a:off x="5348472" y="4086149"/>
+            <a:ext cx="5406" cy="565364"/>
+          </a:xfrm>
+          <a:prstGeom prst="straightConnector1">
+            <a:avLst/>
+          </a:prstGeom>
+          <a:ln>
+            <a:tailEnd type="triangle"/>
+          </a:ln>
+        </p:spPr>
+        <p:style>
+          <a:lnRef idx="1">
+            <a:schemeClr val="accent1"/>
+          </a:lnRef>
+          <a:fillRef idx="0">
+            <a:schemeClr val="accent1"/>
+          </a:fillRef>
+          <a:effectRef idx="0">
+            <a:schemeClr val="accent1"/>
+          </a:effectRef>
+          <a:fontRef idx="minor">
+            <a:schemeClr val="tx1"/>
+          </a:fontRef>
+        </p:style>
+      </p:cxnSp>
+      <p:sp>
+        <p:nvSpPr>
+          <p:cNvPr id="22" name="Oval 21">
+            <a:extLst>
+              <a:ext uri="{FF2B5EF4-FFF2-40B4-BE49-F238E27FC236}">
+                <a16:creationId xmlns:a16="http://schemas.microsoft.com/office/drawing/2014/main" id="{01CDE4C6-4D05-45EE-8DAB-FAFF243A32F4}"/>
+              </a:ext>
+            </a:extLst>
+          </p:cNvPr>
+          <p:cNvSpPr/>
+          <p:nvPr/>
+        </p:nvSpPr>
+        <p:spPr>
+          <a:xfrm>
+            <a:off x="4296143" y="4651513"/>
+            <a:ext cx="2258276" cy="980661"/>
+          </a:xfrm>
+          <a:prstGeom prst="ellipse">
+            <a:avLst/>
+          </a:prstGeom>
+        </p:spPr>
+        <p:style>
+          <a:lnRef idx="2">
+            <a:schemeClr val="accent6"/>
+          </a:lnRef>
+          <a:fillRef idx="1">
+            <a:schemeClr val="lt1"/>
+          </a:fillRef>
+          <a:effectRef idx="0">
+            <a:schemeClr val="accent6"/>
+          </a:effectRef>
+          <a:fontRef idx="minor">
+            <a:schemeClr val="dk1"/>
+          </a:fontRef>
+        </p:style>
+        <p:txBody>
+          <a:bodyPr rtlCol="0" anchor="ctr"/>
+          <a:lstStyle/>
+          <a:p>
+            <a:pPr algn="ctr"/>
+            <a:r>
+              <a:rPr lang="en-US" dirty="0">
+                <a:ln w="0"/>
+                <a:solidFill>
+                  <a:schemeClr val="accent1"/>
+                </a:solidFill>
+                <a:effectLst>
+                  <a:outerShdw blurRad="38100" dist="25400" dir="5400000" algn="ctr" rotWithShape="0">
+                    <a:srgbClr val="6E747A">
+                      <a:alpha val="43000"/>
+                    </a:srgbClr>
+                  </a:outerShdw>
+                </a:effectLst>
+              </a:rPr>
+              <a:t>STOP</a:t>
+            </a:r>
+            <a:endParaRPr lang="en-NG" dirty="0">
+              <a:ln w="0"/>
+              <a:solidFill>
+                <a:schemeClr val="accent1"/>
+              </a:solidFill>
+              <a:effectLst>
+                <a:outerShdw blurRad="38100" dist="25400" dir="5400000" algn="ctr" rotWithShape="0">
+                  <a:srgbClr val="6E747A">
+                    <a:alpha val="43000"/>
+                  </a:srgbClr>
+                </a:outerShdw>
+              </a:effectLst>
+            </a:endParaRPr>
+          </a:p>
+        </p:txBody>
+      </p:sp>
+      <p:sp>
+        <p:nvSpPr>
+          <p:cNvPr id="23" name="TextBox 22">
+            <a:extLst>
+              <a:ext uri="{FF2B5EF4-FFF2-40B4-BE49-F238E27FC236}">
+                <a16:creationId xmlns:a16="http://schemas.microsoft.com/office/drawing/2014/main" id="{A75A4FC2-DA35-49A9-9345-31EF468D4965}"/>
+              </a:ext>
+            </a:extLst>
+          </p:cNvPr>
+          <p:cNvSpPr txBox="1"/>
+          <p:nvPr/>
+        </p:nvSpPr>
+        <p:spPr>
+          <a:xfrm>
+            <a:off x="4789444" y="2340648"/>
+            <a:ext cx="837323" cy="369332"/>
+          </a:xfrm>
+          <a:prstGeom prst="rect">
+            <a:avLst/>
+          </a:prstGeom>
+          <a:noFill/>
+        </p:spPr>
+        <p:txBody>
+          <a:bodyPr wrap="square" rtlCol="0">
+            <a:spAutoFit/>
+          </a:bodyPr>
+          <a:lstStyle/>
+          <a:p>
+            <a:r>
+              <a:rPr lang="en-US" dirty="0"/>
+              <a:t>YES</a:t>
+            </a:r>
+            <a:endParaRPr lang="en-NG" dirty="0"/>
+          </a:p>
+        </p:txBody>
+      </p:sp>
+      <p:cxnSp>
+        <p:nvCxnSpPr>
+          <p:cNvPr id="25" name="Straight Connector 24">
+            <a:extLst>
+              <a:ext uri="{FF2B5EF4-FFF2-40B4-BE49-F238E27FC236}">
+                <a16:creationId xmlns:a16="http://schemas.microsoft.com/office/drawing/2014/main" id="{1F49784F-71D3-4766-9FAA-F9D4FE82A406}"/>
+              </a:ext>
+            </a:extLst>
+          </p:cNvPr>
+          <p:cNvCxnSpPr>
+            <a:stCxn id="7" idx="4"/>
+          </p:cNvCxnSpPr>
+          <p:nvPr/>
+        </p:nvCxnSpPr>
+        <p:spPr>
+          <a:xfrm>
+            <a:off x="8378032" y="2685621"/>
+            <a:ext cx="0" cy="2548988"/>
+          </a:xfrm>
+          <a:prstGeom prst="line">
+            <a:avLst/>
+          </a:prstGeom>
+        </p:spPr>
+        <p:style>
+          <a:lnRef idx="1">
+            <a:schemeClr val="accent1"/>
+          </a:lnRef>
+          <a:fillRef idx="0">
+            <a:schemeClr val="accent1"/>
+          </a:fillRef>
+          <a:effectRef idx="0">
+            <a:schemeClr val="accent1"/>
+          </a:effectRef>
+          <a:fontRef idx="minor">
+            <a:schemeClr val="tx1"/>
+          </a:fontRef>
+        </p:style>
+      </p:cxnSp>
+      <p:cxnSp>
+        <p:nvCxnSpPr>
+          <p:cNvPr id="27" name="Straight Arrow Connector 26">
+            <a:extLst>
+              <a:ext uri="{FF2B5EF4-FFF2-40B4-BE49-F238E27FC236}">
+                <a16:creationId xmlns:a16="http://schemas.microsoft.com/office/drawing/2014/main" id="{7DF05BE4-5101-46F8-A70C-8E264EF36816}"/>
+              </a:ext>
+            </a:extLst>
+          </p:cNvPr>
+          <p:cNvCxnSpPr/>
+          <p:nvPr/>
+        </p:nvCxnSpPr>
+        <p:spPr>
+          <a:xfrm flipH="1">
+            <a:off x="6554419" y="5234609"/>
+            <a:ext cx="1823613" cy="0"/>
+          </a:xfrm>
+          <a:prstGeom prst="straightConnector1">
+            <a:avLst/>
+          </a:prstGeom>
+          <a:ln>
+            <a:tailEnd type="triangle"/>
+          </a:ln>
+        </p:spPr>
+        <p:style>
+          <a:lnRef idx="1">
+            <a:schemeClr val="accent1"/>
+          </a:lnRef>
+          <a:fillRef idx="0">
+            <a:schemeClr val="accent1"/>
+          </a:fillRef>
+          <a:effectRef idx="0">
+            <a:schemeClr val="accent1"/>
+          </a:effectRef>
+          <a:fontRef idx="minor">
+            <a:schemeClr val="tx1"/>
+          </a:fontRef>
+        </p:style>
+      </p:cxnSp>
+    </p:spTree>
+    <p:extLst>
+      <p:ext uri="{BB962C8B-B14F-4D97-AF65-F5344CB8AC3E}">
+        <p14:creationId xmlns:p14="http://schemas.microsoft.com/office/powerpoint/2010/main" val="3762056243"/>
       </p:ext>
     </p:extLst>
   </p:cSld>
